--- a/Kicad 2024.pptx
+++ b/Kicad 2024.pptx
@@ -221,7 +221,7 @@
           <a:p>
             <a:fld id="{707C0392-ED8F-47C6-BCD0-1687EF07CF70}" type="datetimeFigureOut">
               <a:rPr lang="da-DK" smtClean="0"/>
-              <a:t>17-04-2024</a:t>
+              <a:t>18-04-2024</a:t>
             </a:fld>
             <a:endParaRPr lang="da-DK"/>
           </a:p>
@@ -618,6 +618,98 @@
           <a:p>
             <a:r>
               <a:rPr lang="da-DK" dirty="0"/>
+              <a:t>HOT </a:t>
+            </a:r>
+            <a:r>
+              <a:rPr lang="da-DK" dirty="0" err="1"/>
+              <a:t>key</a:t>
+            </a:r>
+            <a:endParaRPr lang="da-DK" dirty="0"/>
+          </a:p>
+        </p:txBody>
+      </p:sp>
+      <p:sp>
+        <p:nvSpPr>
+          <p:cNvPr id="4" name="Pladsholder til slidenummer 3"/>
+          <p:cNvSpPr>
+            <a:spLocks noGrp="1"/>
+          </p:cNvSpPr>
+          <p:nvPr>
+            <p:ph type="sldNum" sz="quarter" idx="5"/>
+          </p:nvPr>
+        </p:nvSpPr>
+        <p:spPr/>
+        <p:txBody>
+          <a:bodyPr/>
+          <a:lstStyle/>
+          <a:p>
+            <a:fld id="{865CDAEB-A7ED-450A-AC92-1127D524C1AB}" type="slidenum">
+              <a:rPr lang="da-DK" smtClean="0"/>
+              <a:t>7</a:t>
+            </a:fld>
+            <a:endParaRPr lang="da-DK"/>
+          </a:p>
+        </p:txBody>
+      </p:sp>
+    </p:spTree>
+    <p:extLst>
+      <p:ext uri="{BB962C8B-B14F-4D97-AF65-F5344CB8AC3E}">
+        <p14:creationId xmlns:p14="http://schemas.microsoft.com/office/powerpoint/2010/main" val="3817438391"/>
+      </p:ext>
+    </p:extLst>
+  </p:cSld>
+  <p:clrMapOvr>
+    <a:masterClrMapping/>
+  </p:clrMapOvr>
+</p:notes>
+</file>
+
+<file path=ppt/notesSlides/notesSlide3.xml><?xml version="1.0" encoding="utf-8"?>
+<p:notes xmlns:a="http://schemas.openxmlformats.org/drawingml/2006/main" xmlns:r="http://schemas.openxmlformats.org/officeDocument/2006/relationships" xmlns:p="http://schemas.openxmlformats.org/presentationml/2006/main">
+  <p:cSld>
+    <p:spTree>
+      <p:nvGrpSpPr>
+        <p:cNvPr id="1" name=""/>
+        <p:cNvGrpSpPr/>
+        <p:nvPr/>
+      </p:nvGrpSpPr>
+      <p:grpSpPr>
+        <a:xfrm>
+          <a:off x="0" y="0"/>
+          <a:ext cx="0" cy="0"/>
+          <a:chOff x="0" y="0"/>
+          <a:chExt cx="0" cy="0"/>
+        </a:xfrm>
+      </p:grpSpPr>
+      <p:sp>
+        <p:nvSpPr>
+          <p:cNvPr id="2" name="Pladsholder til slidebillede 1"/>
+          <p:cNvSpPr>
+            <a:spLocks noGrp="1" noRot="1" noChangeAspect="1"/>
+          </p:cNvSpPr>
+          <p:nvPr>
+            <p:ph type="sldImg"/>
+          </p:nvPr>
+        </p:nvSpPr>
+        <p:spPr/>
+      </p:sp>
+      <p:sp>
+        <p:nvSpPr>
+          <p:cNvPr id="3" name="Pladsholder til noter 2"/>
+          <p:cNvSpPr>
+            <a:spLocks noGrp="1"/>
+          </p:cNvSpPr>
+          <p:nvPr>
+            <p:ph type="body" idx="1"/>
+          </p:nvPr>
+        </p:nvSpPr>
+        <p:spPr/>
+        <p:txBody>
+          <a:bodyPr/>
+          <a:lstStyle/>
+          <a:p>
+            <a:r>
+              <a:rPr lang="da-DK" dirty="0"/>
               <a:t>Automatisk </a:t>
             </a:r>
             <a:r>
@@ -667,7 +759,198 @@
 </p:notes>
 </file>
 
-<file path=ppt/notesSlides/notesSlide3.xml><?xml version="1.0" encoding="utf-8"?>
+<file path=ppt/notesSlides/notesSlide4.xml><?xml version="1.0" encoding="utf-8"?>
+<p:notes xmlns:a="http://schemas.openxmlformats.org/drawingml/2006/main" xmlns:r="http://schemas.openxmlformats.org/officeDocument/2006/relationships" xmlns:p="http://schemas.openxmlformats.org/presentationml/2006/main">
+  <p:cSld>
+    <p:spTree>
+      <p:nvGrpSpPr>
+        <p:cNvPr id="1" name=""/>
+        <p:cNvGrpSpPr/>
+        <p:nvPr/>
+      </p:nvGrpSpPr>
+      <p:grpSpPr>
+        <a:xfrm>
+          <a:off x="0" y="0"/>
+          <a:ext cx="0" cy="0"/>
+          <a:chOff x="0" y="0"/>
+          <a:chExt cx="0" cy="0"/>
+        </a:xfrm>
+      </p:grpSpPr>
+      <p:sp>
+        <p:nvSpPr>
+          <p:cNvPr id="2" name="Pladsholder til slidebillede 1"/>
+          <p:cNvSpPr>
+            <a:spLocks noGrp="1" noRot="1" noChangeAspect="1"/>
+          </p:cNvSpPr>
+          <p:nvPr>
+            <p:ph type="sldImg"/>
+          </p:nvPr>
+        </p:nvSpPr>
+        <p:spPr/>
+      </p:sp>
+      <p:sp>
+        <p:nvSpPr>
+          <p:cNvPr id="3" name="Pladsholder til noter 2"/>
+          <p:cNvSpPr>
+            <a:spLocks noGrp="1"/>
+          </p:cNvSpPr>
+          <p:nvPr>
+            <p:ph type="body" idx="1"/>
+          </p:nvPr>
+        </p:nvSpPr>
+        <p:spPr/>
+        <p:txBody>
+          <a:bodyPr/>
+          <a:lstStyle/>
+          <a:p>
+            <a:r>
+              <a:rPr lang="da-DK" dirty="0"/>
+              <a:t>Present sensor</a:t>
+            </a:r>
+          </a:p>
+        </p:txBody>
+      </p:sp>
+      <p:sp>
+        <p:nvSpPr>
+          <p:cNvPr id="4" name="Pladsholder til slidenummer 3"/>
+          <p:cNvSpPr>
+            <a:spLocks noGrp="1"/>
+          </p:cNvSpPr>
+          <p:nvPr>
+            <p:ph type="sldNum" sz="quarter" idx="5"/>
+          </p:nvPr>
+        </p:nvSpPr>
+        <p:spPr/>
+        <p:txBody>
+          <a:bodyPr/>
+          <a:lstStyle/>
+          <a:p>
+            <a:fld id="{865CDAEB-A7ED-450A-AC92-1127D524C1AB}" type="slidenum">
+              <a:rPr lang="da-DK" smtClean="0"/>
+              <a:t>13</a:t>
+            </a:fld>
+            <a:endParaRPr lang="da-DK"/>
+          </a:p>
+        </p:txBody>
+      </p:sp>
+    </p:spTree>
+    <p:extLst>
+      <p:ext uri="{BB962C8B-B14F-4D97-AF65-F5344CB8AC3E}">
+        <p14:creationId xmlns:p14="http://schemas.microsoft.com/office/powerpoint/2010/main" val="612518206"/>
+      </p:ext>
+    </p:extLst>
+  </p:cSld>
+  <p:clrMapOvr>
+    <a:masterClrMapping/>
+  </p:clrMapOvr>
+</p:notes>
+</file>
+
+<file path=ppt/notesSlides/notesSlide5.xml><?xml version="1.0" encoding="utf-8"?>
+<p:notes xmlns:a="http://schemas.openxmlformats.org/drawingml/2006/main" xmlns:r="http://schemas.openxmlformats.org/officeDocument/2006/relationships" xmlns:p="http://schemas.openxmlformats.org/presentationml/2006/main">
+  <p:cSld>
+    <p:spTree>
+      <p:nvGrpSpPr>
+        <p:cNvPr id="1" name=""/>
+        <p:cNvGrpSpPr/>
+        <p:nvPr/>
+      </p:nvGrpSpPr>
+      <p:grpSpPr>
+        <a:xfrm>
+          <a:off x="0" y="0"/>
+          <a:ext cx="0" cy="0"/>
+          <a:chOff x="0" y="0"/>
+          <a:chExt cx="0" cy="0"/>
+        </a:xfrm>
+      </p:grpSpPr>
+      <p:sp>
+        <p:nvSpPr>
+          <p:cNvPr id="2" name="Pladsholder til slidebillede 1"/>
+          <p:cNvSpPr>
+            <a:spLocks noGrp="1" noRot="1" noChangeAspect="1"/>
+          </p:cNvSpPr>
+          <p:nvPr>
+            <p:ph type="sldImg"/>
+          </p:nvPr>
+        </p:nvSpPr>
+        <p:spPr/>
+      </p:sp>
+      <p:sp>
+        <p:nvSpPr>
+          <p:cNvPr id="3" name="Pladsholder til noter 2"/>
+          <p:cNvSpPr>
+            <a:spLocks noGrp="1"/>
+          </p:cNvSpPr>
+          <p:nvPr>
+            <p:ph type="body" idx="1"/>
+          </p:nvPr>
+        </p:nvSpPr>
+        <p:spPr/>
+        <p:txBody>
+          <a:bodyPr/>
+          <a:lstStyle/>
+          <a:p>
+            <a:r>
+              <a:rPr lang="da-DK" dirty="0"/>
+              <a:t>Wirenet</a:t>
+            </a:r>
+          </a:p>
+          <a:p>
+            <a:r>
+              <a:rPr lang="da-DK" dirty="0"/>
+              <a:t>Sammenkædning af </a:t>
+            </a:r>
+            <a:r>
+              <a:rPr lang="da-DK" dirty="0" err="1"/>
+              <a:t>sch</a:t>
+            </a:r>
+            <a:r>
+              <a:rPr lang="da-DK" dirty="0"/>
+              <a:t> og PCB</a:t>
+            </a:r>
+          </a:p>
+          <a:p>
+            <a:endParaRPr lang="da-DK" dirty="0"/>
+          </a:p>
+        </p:txBody>
+      </p:sp>
+      <p:sp>
+        <p:nvSpPr>
+          <p:cNvPr id="4" name="Pladsholder til slidenummer 3"/>
+          <p:cNvSpPr>
+            <a:spLocks noGrp="1"/>
+          </p:cNvSpPr>
+          <p:nvPr>
+            <p:ph type="sldNum" sz="quarter" idx="5"/>
+          </p:nvPr>
+        </p:nvSpPr>
+        <p:spPr/>
+        <p:txBody>
+          <a:bodyPr/>
+          <a:lstStyle/>
+          <a:p>
+            <a:fld id="{865CDAEB-A7ED-450A-AC92-1127D524C1AB}" type="slidenum">
+              <a:rPr lang="da-DK" smtClean="0"/>
+              <a:t>17</a:t>
+            </a:fld>
+            <a:endParaRPr lang="da-DK"/>
+          </a:p>
+        </p:txBody>
+      </p:sp>
+    </p:spTree>
+    <p:extLst>
+      <p:ext uri="{BB962C8B-B14F-4D97-AF65-F5344CB8AC3E}">
+        <p14:creationId xmlns:p14="http://schemas.microsoft.com/office/powerpoint/2010/main" val="2547474806"/>
+      </p:ext>
+    </p:extLst>
+  </p:cSld>
+  <p:clrMapOvr>
+    <a:masterClrMapping/>
+  </p:clrMapOvr>
+</p:notes>
+</file>
+
+<file path=ppt/notesSlides/notesSlide6.xml><?xml version="1.0" encoding="utf-8"?>
 <p:notes xmlns:a="http://schemas.openxmlformats.org/drawingml/2006/main" xmlns:r="http://schemas.openxmlformats.org/officeDocument/2006/relationships" xmlns:p="http://schemas.openxmlformats.org/presentationml/2006/main">
   <p:cSld>
     <p:spTree>
@@ -939,7 +1222,7 @@
             <a:fld id="{A37D6D71-8B28-4ED6-B932-04B197003D23}" type="datetimeFigureOut">
               <a:rPr lang="en-US" smtClean="0"/>
               <a:pPr algn="r"/>
-              <a:t>4/17/2024</a:t>
+              <a:t>4/18/2024</a:t>
             </a:fld>
             <a:endParaRPr lang="en-US" spc="50" dirty="0"/>
           </a:p>
@@ -1218,7 +1501,7 @@
             <a:fld id="{A37D6D71-8B28-4ED6-B932-04B197003D23}" type="datetimeFigureOut">
               <a:rPr lang="en-US" smtClean="0"/>
               <a:pPr algn="r"/>
-              <a:t>4/17/2024</a:t>
+              <a:t>4/18/2024</a:t>
             </a:fld>
             <a:endParaRPr lang="en-US" spc="50" dirty="0"/>
           </a:p>
@@ -1416,7 +1699,7 @@
             <a:fld id="{A37D6D71-8B28-4ED6-B932-04B197003D23}" type="datetimeFigureOut">
               <a:rPr lang="en-US" smtClean="0"/>
               <a:pPr algn="r"/>
-              <a:t>4/17/2024</a:t>
+              <a:t>4/18/2024</a:t>
             </a:fld>
             <a:endParaRPr lang="en-US" spc="50" dirty="0"/>
           </a:p>
@@ -1693,7 +1976,7 @@
             <a:fld id="{A37D6D71-8B28-4ED6-B932-04B197003D23}" type="datetimeFigureOut">
               <a:rPr lang="en-US" smtClean="0"/>
               <a:pPr algn="r"/>
-              <a:t>4/17/2024</a:t>
+              <a:t>4/18/2024</a:t>
             </a:fld>
             <a:endParaRPr lang="en-US" spc="50" dirty="0"/>
           </a:p>
@@ -2038,7 +2321,7 @@
             <a:fld id="{A37D6D71-8B28-4ED6-B932-04B197003D23}" type="datetimeFigureOut">
               <a:rPr lang="en-US" smtClean="0"/>
               <a:pPr algn="r"/>
-              <a:t>4/17/2024</a:t>
+              <a:t>4/18/2024</a:t>
             </a:fld>
             <a:endParaRPr lang="en-US" spc="50" dirty="0"/>
           </a:p>
@@ -2665,7 +2948,7 @@
             <a:fld id="{A37D6D71-8B28-4ED6-B932-04B197003D23}" type="datetimeFigureOut">
               <a:rPr lang="en-US" smtClean="0"/>
               <a:pPr algn="r"/>
-              <a:t>4/17/2024</a:t>
+              <a:t>4/18/2024</a:t>
             </a:fld>
             <a:endParaRPr lang="en-US" spc="50" dirty="0"/>
           </a:p>
@@ -3529,7 +3812,7 @@
             <a:fld id="{A37D6D71-8B28-4ED6-B932-04B197003D23}" type="datetimeFigureOut">
               <a:rPr lang="en-US" smtClean="0"/>
               <a:pPr algn="r"/>
-              <a:t>4/17/2024</a:t>
+              <a:t>4/18/2024</a:t>
             </a:fld>
             <a:endParaRPr lang="en-US" spc="50" dirty="0"/>
           </a:p>
@@ -3703,7 +3986,7 @@
             <a:fld id="{A37D6D71-8B28-4ED6-B932-04B197003D23}" type="datetimeFigureOut">
               <a:rPr lang="en-US" smtClean="0"/>
               <a:pPr algn="r"/>
-              <a:t>4/17/2024</a:t>
+              <a:t>4/18/2024</a:t>
             </a:fld>
             <a:endParaRPr lang="en-US" spc="50" dirty="0"/>
           </a:p>
@@ -3887,7 +4170,7 @@
             <a:fld id="{A37D6D71-8B28-4ED6-B932-04B197003D23}" type="datetimeFigureOut">
               <a:rPr lang="en-US" smtClean="0"/>
               <a:pPr algn="r"/>
-              <a:t>4/17/2024</a:t>
+              <a:t>4/18/2024</a:t>
             </a:fld>
             <a:endParaRPr lang="en-US" spc="50" dirty="0"/>
           </a:p>
@@ -4061,7 +4344,7 @@
             <a:fld id="{A37D6D71-8B28-4ED6-B932-04B197003D23}" type="datetimeFigureOut">
               <a:rPr lang="en-US" smtClean="0"/>
               <a:pPr algn="r"/>
-              <a:t>4/17/2024</a:t>
+              <a:t>4/18/2024</a:t>
             </a:fld>
             <a:endParaRPr lang="en-US" spc="50" dirty="0"/>
           </a:p>
@@ -4312,7 +4595,7 @@
             <a:fld id="{A37D6D71-8B28-4ED6-B932-04B197003D23}" type="datetimeFigureOut">
               <a:rPr lang="en-US" smtClean="0"/>
               <a:pPr algn="r"/>
-              <a:t>4/17/2024</a:t>
+              <a:t>4/18/2024</a:t>
             </a:fld>
             <a:endParaRPr lang="en-US" spc="50" dirty="0"/>
           </a:p>
@@ -4608,7 +4891,7 @@
             <a:fld id="{A37D6D71-8B28-4ED6-B932-04B197003D23}" type="datetimeFigureOut">
               <a:rPr lang="en-US" smtClean="0"/>
               <a:pPr algn="r"/>
-              <a:t>4/17/2024</a:t>
+              <a:t>4/18/2024</a:t>
             </a:fld>
             <a:endParaRPr lang="en-US" spc="50" dirty="0"/>
           </a:p>
@@ -5056,7 +5339,7 @@
             <a:fld id="{A37D6D71-8B28-4ED6-B932-04B197003D23}" type="datetimeFigureOut">
               <a:rPr lang="en-US" smtClean="0"/>
               <a:pPr algn="r"/>
-              <a:t>4/17/2024</a:t>
+              <a:t>4/18/2024</a:t>
             </a:fld>
             <a:endParaRPr lang="en-US" spc="50" dirty="0"/>
           </a:p>
@@ -5178,7 +5461,7 @@
             <a:fld id="{A37D6D71-8B28-4ED6-B932-04B197003D23}" type="datetimeFigureOut">
               <a:rPr lang="en-US" smtClean="0"/>
               <a:pPr algn="r"/>
-              <a:t>4/17/2024</a:t>
+              <a:t>4/18/2024</a:t>
             </a:fld>
             <a:endParaRPr lang="en-US" spc="50" dirty="0"/>
           </a:p>
@@ -5277,7 +5560,7 @@
             <a:fld id="{A37D6D71-8B28-4ED6-B932-04B197003D23}" type="datetimeFigureOut">
               <a:rPr lang="en-US" smtClean="0"/>
               <a:pPr algn="r"/>
-              <a:t>4/17/2024</a:t>
+              <a:t>4/18/2024</a:t>
             </a:fld>
             <a:endParaRPr lang="en-US" spc="50" dirty="0"/>
           </a:p>
@@ -5560,7 +5843,7 @@
             <a:fld id="{A37D6D71-8B28-4ED6-B932-04B197003D23}" type="datetimeFigureOut">
               <a:rPr lang="en-US" smtClean="0"/>
               <a:pPr algn="r"/>
-              <a:t>4/17/2024</a:t>
+              <a:t>4/18/2024</a:t>
             </a:fld>
             <a:endParaRPr lang="en-US" spc="50" dirty="0"/>
           </a:p>
@@ -5839,7 +6122,7 @@
             <a:fld id="{A37D6D71-8B28-4ED6-B932-04B197003D23}" type="datetimeFigureOut">
               <a:rPr lang="en-US" smtClean="0"/>
               <a:pPr algn="r"/>
-              <a:t>4/17/2024</a:t>
+              <a:t>4/18/2024</a:t>
             </a:fld>
             <a:endParaRPr lang="en-US" spc="50" dirty="0"/>
           </a:p>
@@ -6272,7 +6555,7 @@
             <a:fld id="{A37D6D71-8B28-4ED6-B932-04B197003D23}" type="datetimeFigureOut">
               <a:rPr lang="en-US" smtClean="0"/>
               <a:pPr algn="r"/>
-              <a:t>4/17/2024</a:t>
+              <a:t>4/18/2024</a:t>
             </a:fld>
             <a:endParaRPr lang="en-US" spc="50" dirty="0"/>
           </a:p>
@@ -7625,7 +7908,7 @@
           <p:nvPr/>
         </p:nvPicPr>
         <p:blipFill>
-          <a:blip r:embed="rId2"/>
+          <a:blip r:embed="rId3"/>
           <a:stretch>
             <a:fillRect/>
           </a:stretch>
@@ -7869,6 +8152,36 @@
           </a:p>
         </p:txBody>
       </p:sp>
+      <p:pic>
+        <p:nvPicPr>
+          <p:cNvPr id="5" name="Billede 4">
+            <a:extLst>
+              <a:ext uri="{FF2B5EF4-FFF2-40B4-BE49-F238E27FC236}">
+                <a16:creationId xmlns:a16="http://schemas.microsoft.com/office/drawing/2014/main" id="{E0A26B2D-F7B4-DC26-232B-6BDF3A52EC9B}"/>
+              </a:ext>
+            </a:extLst>
+          </p:cNvPr>
+          <p:cNvPicPr>
+            <a:picLocks noChangeAspect="1"/>
+          </p:cNvPicPr>
+          <p:nvPr/>
+        </p:nvPicPr>
+        <p:blipFill>
+          <a:blip r:embed="rId2"/>
+          <a:stretch>
+            <a:fillRect/>
+          </a:stretch>
+        </p:blipFill>
+        <p:spPr>
+          <a:xfrm>
+            <a:off x="6363472" y="1566040"/>
+            <a:ext cx="5182417" cy="4682359"/>
+          </a:xfrm>
+          <a:prstGeom prst="rect">
+            <a:avLst/>
+          </a:prstGeom>
+        </p:spPr>
+      </p:pic>
     </p:spTree>
     <p:extLst>
       <p:ext uri="{BB962C8B-B14F-4D97-AF65-F5344CB8AC3E}">
@@ -8227,7 +8540,7 @@
           <p:nvPr/>
         </p:nvPicPr>
         <p:blipFill>
-          <a:blip r:embed="rId2"/>
+          <a:blip r:embed="rId3"/>
           <a:stretch>
             <a:fillRect/>
           </a:stretch>
@@ -9259,7 +9572,18 @@
           <a:bodyPr/>
           <a:lstStyle/>
           <a:p>
-            <a:endParaRPr lang="da-DK"/>
+            <a:r>
+              <a:rPr lang="da-DK" dirty="0"/>
+              <a:t>Route det første </a:t>
+            </a:r>
+            <a:r>
+              <a:rPr lang="da-DK" dirty="0" err="1"/>
+              <a:t>schematic</a:t>
+            </a:r>
+            <a:r>
+              <a:rPr lang="da-DK" dirty="0"/>
+              <a:t> til PCB</a:t>
+            </a:r>
           </a:p>
         </p:txBody>
       </p:sp>
@@ -10757,6 +11081,28 @@
               <a:rPr lang="en-GB" dirty="0"/>
               <a:t>.</a:t>
             </a:r>
+          </a:p>
+          <a:p>
+            <a:r>
+              <a:rPr lang="en-GB" dirty="0" err="1"/>
+              <a:t>Søg</a:t>
+            </a:r>
+            <a:r>
+              <a:rPr lang="en-GB" dirty="0"/>
+              <a:t> </a:t>
+            </a:r>
+            <a:r>
+              <a:rPr lang="en-GB" dirty="0" err="1"/>
+              <a:t>komponenter</a:t>
+            </a:r>
+            <a:endParaRPr lang="en-GB" dirty="0"/>
+          </a:p>
+          <a:p>
+            <a:r>
+              <a:rPr lang="en-GB" dirty="0"/>
+              <a:t>MPN</a:t>
+            </a:r>
+            <a:endParaRPr lang="LID4096" dirty="0"/>
           </a:p>
           <a:p>
             <a:pPr marL="0" indent="0">
@@ -11193,7 +11539,7 @@
               <a:t>Opdel</a:t>
             </a:r>
             <a:r>
-              <a:rPr lang="en-GB"/>
+              <a:rPr lang="en-GB" dirty="0"/>
               <a:t> i </a:t>
             </a:r>
             <a:r>
@@ -11268,7 +11614,7 @@
               <a:rPr lang="en-GB" dirty="0" err="1"/>
               <a:t>krydse</a:t>
             </a:r>
-            <a:endParaRPr lang="LID4096" dirty="0"/>
+            <a:endParaRPr lang="en-GB" dirty="0"/>
           </a:p>
         </p:txBody>
       </p:sp>
